--- a/docs/html/_static/pedal-overview.pptx
+++ b/docs/html/_static/pedal-overview.pptx
@@ -256,7 +256,7 @@
           <a:p>
             <a:fld id="{3A979BF9-124F-4BB9-ADB5-5719B90CB8FD}" type="datetimeFigureOut">
               <a:rPr lang="en-US" smtClean="0"/>
-              <a:t>1/21/2019</a:t>
+              <a:t>3/10/2020</a:t>
             </a:fld>
             <a:endParaRPr lang="en-US"/>
           </a:p>
@@ -426,7 +426,7 @@
           <a:p>
             <a:fld id="{3A979BF9-124F-4BB9-ADB5-5719B90CB8FD}" type="datetimeFigureOut">
               <a:rPr lang="en-US" smtClean="0"/>
-              <a:t>1/21/2019</a:t>
+              <a:t>3/10/2020</a:t>
             </a:fld>
             <a:endParaRPr lang="en-US"/>
           </a:p>
@@ -606,7 +606,7 @@
           <a:p>
             <a:fld id="{3A979BF9-124F-4BB9-ADB5-5719B90CB8FD}" type="datetimeFigureOut">
               <a:rPr lang="en-US" smtClean="0"/>
-              <a:t>1/21/2019</a:t>
+              <a:t>3/10/2020</a:t>
             </a:fld>
             <a:endParaRPr lang="en-US"/>
           </a:p>
@@ -776,7 +776,7 @@
           <a:p>
             <a:fld id="{3A979BF9-124F-4BB9-ADB5-5719B90CB8FD}" type="datetimeFigureOut">
               <a:rPr lang="en-US" smtClean="0"/>
-              <a:t>1/21/2019</a:t>
+              <a:t>3/10/2020</a:t>
             </a:fld>
             <a:endParaRPr lang="en-US"/>
           </a:p>
@@ -1020,7 +1020,7 @@
           <a:p>
             <a:fld id="{3A979BF9-124F-4BB9-ADB5-5719B90CB8FD}" type="datetimeFigureOut">
               <a:rPr lang="en-US" smtClean="0"/>
-              <a:t>1/21/2019</a:t>
+              <a:t>3/10/2020</a:t>
             </a:fld>
             <a:endParaRPr lang="en-US"/>
           </a:p>
@@ -1252,7 +1252,7 @@
           <a:p>
             <a:fld id="{3A979BF9-124F-4BB9-ADB5-5719B90CB8FD}" type="datetimeFigureOut">
               <a:rPr lang="en-US" smtClean="0"/>
-              <a:t>1/21/2019</a:t>
+              <a:t>3/10/2020</a:t>
             </a:fld>
             <a:endParaRPr lang="en-US"/>
           </a:p>
@@ -1619,7 +1619,7 @@
           <a:p>
             <a:fld id="{3A979BF9-124F-4BB9-ADB5-5719B90CB8FD}" type="datetimeFigureOut">
               <a:rPr lang="en-US" smtClean="0"/>
-              <a:t>1/21/2019</a:t>
+              <a:t>3/10/2020</a:t>
             </a:fld>
             <a:endParaRPr lang="en-US"/>
           </a:p>
@@ -1737,7 +1737,7 @@
           <a:p>
             <a:fld id="{3A979BF9-124F-4BB9-ADB5-5719B90CB8FD}" type="datetimeFigureOut">
               <a:rPr lang="en-US" smtClean="0"/>
-              <a:t>1/21/2019</a:t>
+              <a:t>3/10/2020</a:t>
             </a:fld>
             <a:endParaRPr lang="en-US"/>
           </a:p>
@@ -1832,7 +1832,7 @@
           <a:p>
             <a:fld id="{3A979BF9-124F-4BB9-ADB5-5719B90CB8FD}" type="datetimeFigureOut">
               <a:rPr lang="en-US" smtClean="0"/>
-              <a:t>1/21/2019</a:t>
+              <a:t>3/10/2020</a:t>
             </a:fld>
             <a:endParaRPr lang="en-US"/>
           </a:p>
@@ -2109,7 +2109,7 @@
           <a:p>
             <a:fld id="{3A979BF9-124F-4BB9-ADB5-5719B90CB8FD}" type="datetimeFigureOut">
               <a:rPr lang="en-US" smtClean="0"/>
-              <a:t>1/21/2019</a:t>
+              <a:t>3/10/2020</a:t>
             </a:fld>
             <a:endParaRPr lang="en-US"/>
           </a:p>
@@ -2366,7 +2366,7 @@
           <a:p>
             <a:fld id="{3A979BF9-124F-4BB9-ADB5-5719B90CB8FD}" type="datetimeFigureOut">
               <a:rPr lang="en-US" smtClean="0"/>
-              <a:t>1/21/2019</a:t>
+              <a:t>3/10/2020</a:t>
             </a:fld>
             <a:endParaRPr lang="en-US"/>
           </a:p>
@@ -2579,7 +2579,7 @@
           <a:p>
             <a:fld id="{3A979BF9-124F-4BB9-ADB5-5719B90CB8FD}" type="datetimeFigureOut">
               <a:rPr lang="en-US" smtClean="0"/>
-              <a:t>1/21/2019</a:t>
+              <a:t>3/10/2020</a:t>
             </a:fld>
             <a:endParaRPr lang="en-US"/>
           </a:p>
